--- a/PPT/What are them doing.pptx
+++ b/PPT/What are them doing.pptx
@@ -12,9 +12,10 @@
     <p:sldId id="260" r:id="rId6"/>
     <p:sldId id="261" r:id="rId7"/>
     <p:sldId id="262" r:id="rId8"/>
-    <p:sldId id="263" r:id="rId9"/>
-    <p:sldId id="264" r:id="rId10"/>
-    <p:sldId id="265" r:id="rId11"/>
+    <p:sldId id="266" r:id="rId9"/>
+    <p:sldId id="263" r:id="rId10"/>
+    <p:sldId id="264" r:id="rId11"/>
+    <p:sldId id="265" r:id="rId12"/>
   </p:sldIdLst>
   <p:sldSz cx="12192000" cy="6858000"/>
   <p:notesSz cx="6858000" cy="9144000"/>
@@ -113,6 +114,11 @@
       </a:defRPr>
     </a:lvl9pPr>
   </p:defaultTextStyle>
+  <p:extLst>
+    <p:ext uri="{EFAFB233-063F-42B5-8137-9DF3F51BA10A}">
+      <p15:sldGuideLst xmlns:p15="http://schemas.microsoft.com/office/powerpoint/2012/main"/>
+    </p:ext>
+  </p:extLst>
 </p:presentation>
 </file>
 
@@ -3506,6 +3512,60 @@
           </a:p>
         </p:txBody>
       </p:sp>
+      <p:pic>
+        <p:nvPicPr>
+          <p:cNvPr id="4" name="Picture 3"/>
+          <p:cNvPicPr>
+            <a:picLocks noChangeAspect="1" noChangeArrowheads="1"/>
+          </p:cNvPicPr>
+          <p:nvPr/>
+        </p:nvPicPr>
+        <p:blipFill>
+          <a:blip r:embed="rId2">
+            <a:extLst>
+              <a:ext uri="{28A0092B-C50C-407E-A947-70E740481C1C}">
+                <a14:useLocalDpi xmlns:a14="http://schemas.microsoft.com/office/drawing/2010/main" val="0"/>
+              </a:ext>
+            </a:extLst>
+          </a:blip>
+          <a:srcRect/>
+          <a:stretch>
+            <a:fillRect/>
+          </a:stretch>
+        </p:blipFill>
+        <p:spPr bwMode="auto">
+          <a:xfrm>
+            <a:off x="10373765" y="6435359"/>
+            <a:ext cx="1740012" cy="314521"/>
+          </a:xfrm>
+          <a:prstGeom prst="rect">
+            <a:avLst/>
+          </a:prstGeom>
+          <a:noFill/>
+          <a:ln>
+            <a:noFill/>
+          </a:ln>
+          <a:extLst>
+            <a:ext uri="{909E8E84-426E-40DD-AFC4-6F175D3DCCD1}">
+              <a14:hiddenFill xmlns:a14="http://schemas.microsoft.com/office/drawing/2010/main">
+                <a:solidFill>
+                  <a:srgbClr val="FFFFFF"/>
+                </a:solidFill>
+              </a14:hiddenFill>
+            </a:ext>
+            <a:ext uri="{91240B29-F687-4F45-9708-019B960494DF}">
+              <a14:hiddenLine xmlns:a14="http://schemas.microsoft.com/office/drawing/2010/main" w="12700">
+                <a:solidFill>
+                  <a:srgbClr val="000000"/>
+                </a:solidFill>
+                <a:miter lim="800000"/>
+                <a:headEnd/>
+                <a:tailEnd/>
+              </a14:hiddenLine>
+            </a:ext>
+          </a:extLst>
+        </p:spPr>
+      </p:pic>
     </p:spTree>
     <p:extLst>
       <p:ext uri="{BB962C8B-B14F-4D97-AF65-F5344CB8AC3E}">
@@ -3560,6 +3620,120 @@
           <a:p>
             <a:r>
               <a:rPr lang="en-US" dirty="0" smtClean="0"/>
+              <a:t>Demo our prototype</a:t>
+            </a:r>
+            <a:endParaRPr lang="en-US" dirty="0"/>
+          </a:p>
+        </p:txBody>
+      </p:sp>
+      <p:pic>
+        <p:nvPicPr>
+          <p:cNvPr id="3" name="Picture 2"/>
+          <p:cNvPicPr>
+            <a:picLocks noChangeAspect="1" noChangeArrowheads="1"/>
+          </p:cNvPicPr>
+          <p:nvPr/>
+        </p:nvPicPr>
+        <p:blipFill>
+          <a:blip r:embed="rId2">
+            <a:extLst>
+              <a:ext uri="{28A0092B-C50C-407E-A947-70E740481C1C}">
+                <a14:useLocalDpi xmlns:a14="http://schemas.microsoft.com/office/drawing/2010/main" val="0"/>
+              </a:ext>
+            </a:extLst>
+          </a:blip>
+          <a:srcRect/>
+          <a:stretch>
+            <a:fillRect/>
+          </a:stretch>
+        </p:blipFill>
+        <p:spPr bwMode="auto">
+          <a:xfrm>
+            <a:off x="10373765" y="6435359"/>
+            <a:ext cx="1740012" cy="314521"/>
+          </a:xfrm>
+          <a:prstGeom prst="rect">
+            <a:avLst/>
+          </a:prstGeom>
+          <a:noFill/>
+          <a:ln>
+            <a:noFill/>
+          </a:ln>
+          <a:extLst>
+            <a:ext uri="{909E8E84-426E-40DD-AFC4-6F175D3DCCD1}">
+              <a14:hiddenFill xmlns:a14="http://schemas.microsoft.com/office/drawing/2010/main">
+                <a:solidFill>
+                  <a:srgbClr val="FFFFFF"/>
+                </a:solidFill>
+              </a14:hiddenFill>
+            </a:ext>
+            <a:ext uri="{91240B29-F687-4F45-9708-019B960494DF}">
+              <a14:hiddenLine xmlns:a14="http://schemas.microsoft.com/office/drawing/2010/main" w="12700">
+                <a:solidFill>
+                  <a:srgbClr val="000000"/>
+                </a:solidFill>
+                <a:miter lim="800000"/>
+                <a:headEnd/>
+                <a:tailEnd/>
+              </a14:hiddenLine>
+            </a:ext>
+          </a:extLst>
+        </p:spPr>
+      </p:pic>
+    </p:spTree>
+    <p:extLst>
+      <p:ext uri="{BB962C8B-B14F-4D97-AF65-F5344CB8AC3E}">
+        <p14:creationId xmlns:p14="http://schemas.microsoft.com/office/powerpoint/2010/main" val="1163956533"/>
+      </p:ext>
+    </p:extLst>
+  </p:cSld>
+  <p:clrMapOvr>
+    <a:masterClrMapping/>
+  </p:clrMapOvr>
+  <p:timing>
+    <p:tnLst>
+      <p:par>
+        <p:cTn id="1" dur="indefinite" restart="never" nodeType="tmRoot"/>
+      </p:par>
+    </p:tnLst>
+  </p:timing>
+</p:sld>
+</file>
+
+<file path=ppt/slides/slide11.xml><?xml version="1.0" encoding="utf-8"?>
+<p:sld xmlns:a="http://schemas.openxmlformats.org/drawingml/2006/main" xmlns:r="http://schemas.openxmlformats.org/officeDocument/2006/relationships" xmlns:p="http://schemas.openxmlformats.org/presentationml/2006/main">
+  <p:cSld>
+    <p:spTree>
+      <p:nvGrpSpPr>
+        <p:cNvPr id="1" name=""/>
+        <p:cNvGrpSpPr/>
+        <p:nvPr/>
+      </p:nvGrpSpPr>
+      <p:grpSpPr>
+        <a:xfrm>
+          <a:off x="0" y="0"/>
+          <a:ext cx="0" cy="0"/>
+          <a:chOff x="0" y="0"/>
+          <a:chExt cx="0" cy="0"/>
+        </a:xfrm>
+      </p:grpSpPr>
+      <p:sp>
+        <p:nvSpPr>
+          <p:cNvPr id="4" name="Title 3"/>
+          <p:cNvSpPr>
+            <a:spLocks noGrp="1"/>
+          </p:cNvSpPr>
+          <p:nvPr>
+            <p:ph type="title"/>
+          </p:nvPr>
+        </p:nvSpPr>
+        <p:spPr/>
+        <p:txBody>
+          <a:bodyPr/>
+          <a:lstStyle/>
+          <a:p>
+            <a:r>
+              <a:rPr lang="en-US" dirty="0" smtClean="0"/>
               <a:t>Thanks</a:t>
             </a:r>
             <a:endParaRPr lang="en-US" dirty="0"/>
@@ -3589,6 +3763,60 @@
           </a:p>
         </p:txBody>
       </p:sp>
+      <p:pic>
+        <p:nvPicPr>
+          <p:cNvPr id="5" name="Picture 4"/>
+          <p:cNvPicPr>
+            <a:picLocks noChangeAspect="1" noChangeArrowheads="1"/>
+          </p:cNvPicPr>
+          <p:nvPr/>
+        </p:nvPicPr>
+        <p:blipFill>
+          <a:blip r:embed="rId2">
+            <a:extLst>
+              <a:ext uri="{28A0092B-C50C-407E-A947-70E740481C1C}">
+                <a14:useLocalDpi xmlns:a14="http://schemas.microsoft.com/office/drawing/2010/main" val="0"/>
+              </a:ext>
+            </a:extLst>
+          </a:blip>
+          <a:srcRect/>
+          <a:stretch>
+            <a:fillRect/>
+          </a:stretch>
+        </p:blipFill>
+        <p:spPr bwMode="auto">
+          <a:xfrm>
+            <a:off x="10373765" y="6435359"/>
+            <a:ext cx="1740012" cy="314521"/>
+          </a:xfrm>
+          <a:prstGeom prst="rect">
+            <a:avLst/>
+          </a:prstGeom>
+          <a:noFill/>
+          <a:ln>
+            <a:noFill/>
+          </a:ln>
+          <a:extLst>
+            <a:ext uri="{909E8E84-426E-40DD-AFC4-6F175D3DCCD1}">
+              <a14:hiddenFill xmlns:a14="http://schemas.microsoft.com/office/drawing/2010/main">
+                <a:solidFill>
+                  <a:srgbClr val="FFFFFF"/>
+                </a:solidFill>
+              </a14:hiddenFill>
+            </a:ext>
+            <a:ext uri="{91240B29-F687-4F45-9708-019B960494DF}">
+              <a14:hiddenLine xmlns:a14="http://schemas.microsoft.com/office/drawing/2010/main" w="12700">
+                <a:solidFill>
+                  <a:srgbClr val="000000"/>
+                </a:solidFill>
+                <a:miter lim="800000"/>
+                <a:headEnd/>
+                <a:tailEnd/>
+              </a14:hiddenLine>
+            </a:ext>
+          </a:extLst>
+        </p:spPr>
+      </p:pic>
     </p:spTree>
     <p:extLst>
       <p:ext uri="{BB962C8B-B14F-4D97-AF65-F5344CB8AC3E}">
@@ -3668,6 +3896,60 @@
           </a:p>
         </p:txBody>
       </p:sp>
+      <p:pic>
+        <p:nvPicPr>
+          <p:cNvPr id="3" name="Picture 2"/>
+          <p:cNvPicPr>
+            <a:picLocks noChangeAspect="1" noChangeArrowheads="1"/>
+          </p:cNvPicPr>
+          <p:nvPr/>
+        </p:nvPicPr>
+        <p:blipFill>
+          <a:blip r:embed="rId2">
+            <a:extLst>
+              <a:ext uri="{28A0092B-C50C-407E-A947-70E740481C1C}">
+                <a14:useLocalDpi xmlns:a14="http://schemas.microsoft.com/office/drawing/2010/main" val="0"/>
+              </a:ext>
+            </a:extLst>
+          </a:blip>
+          <a:srcRect/>
+          <a:stretch>
+            <a:fillRect/>
+          </a:stretch>
+        </p:blipFill>
+        <p:spPr bwMode="auto">
+          <a:xfrm>
+            <a:off x="10373765" y="6435359"/>
+            <a:ext cx="1740012" cy="314521"/>
+          </a:xfrm>
+          <a:prstGeom prst="rect">
+            <a:avLst/>
+          </a:prstGeom>
+          <a:noFill/>
+          <a:ln>
+            <a:noFill/>
+          </a:ln>
+          <a:extLst>
+            <a:ext uri="{909E8E84-426E-40DD-AFC4-6F175D3DCCD1}">
+              <a14:hiddenFill xmlns:a14="http://schemas.microsoft.com/office/drawing/2010/main">
+                <a:solidFill>
+                  <a:srgbClr val="FFFFFF"/>
+                </a:solidFill>
+              </a14:hiddenFill>
+            </a:ext>
+            <a:ext uri="{91240B29-F687-4F45-9708-019B960494DF}">
+              <a14:hiddenLine xmlns:a14="http://schemas.microsoft.com/office/drawing/2010/main" w="12700">
+                <a:solidFill>
+                  <a:srgbClr val="000000"/>
+                </a:solidFill>
+                <a:miter lim="800000"/>
+                <a:headEnd/>
+                <a:tailEnd/>
+              </a14:hiddenLine>
+            </a:ext>
+          </a:extLst>
+        </p:spPr>
+      </p:pic>
     </p:spTree>
     <p:extLst>
       <p:ext uri="{BB962C8B-B14F-4D97-AF65-F5344CB8AC3E}">
@@ -3735,6 +4017,60 @@
           </a:p>
         </p:txBody>
       </p:sp>
+      <p:pic>
+        <p:nvPicPr>
+          <p:cNvPr id="3" name="Picture 2"/>
+          <p:cNvPicPr>
+            <a:picLocks noChangeAspect="1" noChangeArrowheads="1"/>
+          </p:cNvPicPr>
+          <p:nvPr/>
+        </p:nvPicPr>
+        <p:blipFill>
+          <a:blip r:embed="rId2">
+            <a:extLst>
+              <a:ext uri="{28A0092B-C50C-407E-A947-70E740481C1C}">
+                <a14:useLocalDpi xmlns:a14="http://schemas.microsoft.com/office/drawing/2010/main" val="0"/>
+              </a:ext>
+            </a:extLst>
+          </a:blip>
+          <a:srcRect/>
+          <a:stretch>
+            <a:fillRect/>
+          </a:stretch>
+        </p:blipFill>
+        <p:spPr bwMode="auto">
+          <a:xfrm>
+            <a:off x="10373765" y="6435359"/>
+            <a:ext cx="1740012" cy="314521"/>
+          </a:xfrm>
+          <a:prstGeom prst="rect">
+            <a:avLst/>
+          </a:prstGeom>
+          <a:noFill/>
+          <a:ln>
+            <a:noFill/>
+          </a:ln>
+          <a:extLst>
+            <a:ext uri="{909E8E84-426E-40DD-AFC4-6F175D3DCCD1}">
+              <a14:hiddenFill xmlns:a14="http://schemas.microsoft.com/office/drawing/2010/main">
+                <a:solidFill>
+                  <a:srgbClr val="FFFFFF"/>
+                </a:solidFill>
+              </a14:hiddenFill>
+            </a:ext>
+            <a:ext uri="{91240B29-F687-4F45-9708-019B960494DF}">
+              <a14:hiddenLine xmlns:a14="http://schemas.microsoft.com/office/drawing/2010/main" w="12700">
+                <a:solidFill>
+                  <a:srgbClr val="000000"/>
+                </a:solidFill>
+                <a:miter lim="800000"/>
+                <a:headEnd/>
+                <a:tailEnd/>
+              </a14:hiddenLine>
+            </a:ext>
+          </a:extLst>
+        </p:spPr>
+      </p:pic>
     </p:spTree>
     <p:extLst>
       <p:ext uri="{BB962C8B-B14F-4D97-AF65-F5344CB8AC3E}">
@@ -3801,6 +4137,60 @@
           </a:p>
         </p:txBody>
       </p:sp>
+      <p:pic>
+        <p:nvPicPr>
+          <p:cNvPr id="3" name="Picture 2"/>
+          <p:cNvPicPr>
+            <a:picLocks noChangeAspect="1" noChangeArrowheads="1"/>
+          </p:cNvPicPr>
+          <p:nvPr/>
+        </p:nvPicPr>
+        <p:blipFill>
+          <a:blip r:embed="rId2">
+            <a:extLst>
+              <a:ext uri="{28A0092B-C50C-407E-A947-70E740481C1C}">
+                <a14:useLocalDpi xmlns:a14="http://schemas.microsoft.com/office/drawing/2010/main" val="0"/>
+              </a:ext>
+            </a:extLst>
+          </a:blip>
+          <a:srcRect/>
+          <a:stretch>
+            <a:fillRect/>
+          </a:stretch>
+        </p:blipFill>
+        <p:spPr bwMode="auto">
+          <a:xfrm>
+            <a:off x="10373765" y="6435359"/>
+            <a:ext cx="1740012" cy="314521"/>
+          </a:xfrm>
+          <a:prstGeom prst="rect">
+            <a:avLst/>
+          </a:prstGeom>
+          <a:noFill/>
+          <a:ln>
+            <a:noFill/>
+          </a:ln>
+          <a:extLst>
+            <a:ext uri="{909E8E84-426E-40DD-AFC4-6F175D3DCCD1}">
+              <a14:hiddenFill xmlns:a14="http://schemas.microsoft.com/office/drawing/2010/main">
+                <a:solidFill>
+                  <a:srgbClr val="FFFFFF"/>
+                </a:solidFill>
+              </a14:hiddenFill>
+            </a:ext>
+            <a:ext uri="{91240B29-F687-4F45-9708-019B960494DF}">
+              <a14:hiddenLine xmlns:a14="http://schemas.microsoft.com/office/drawing/2010/main" w="12700">
+                <a:solidFill>
+                  <a:srgbClr val="000000"/>
+                </a:solidFill>
+                <a:miter lim="800000"/>
+                <a:headEnd/>
+                <a:tailEnd/>
+              </a14:hiddenLine>
+            </a:ext>
+          </a:extLst>
+        </p:spPr>
+      </p:pic>
     </p:spTree>
     <p:extLst>
       <p:ext uri="{BB962C8B-B14F-4D97-AF65-F5344CB8AC3E}">
@@ -4246,6 +4636,60 @@
           </a:fontRef>
         </p:style>
       </p:cxnSp>
+      <p:pic>
+        <p:nvPicPr>
+          <p:cNvPr id="14" name="Picture 13"/>
+          <p:cNvPicPr>
+            <a:picLocks noChangeAspect="1" noChangeArrowheads="1"/>
+          </p:cNvPicPr>
+          <p:nvPr/>
+        </p:nvPicPr>
+        <p:blipFill>
+          <a:blip r:embed="rId2">
+            <a:extLst>
+              <a:ext uri="{28A0092B-C50C-407E-A947-70E740481C1C}">
+                <a14:useLocalDpi xmlns:a14="http://schemas.microsoft.com/office/drawing/2010/main" val="0"/>
+              </a:ext>
+            </a:extLst>
+          </a:blip>
+          <a:srcRect/>
+          <a:stretch>
+            <a:fillRect/>
+          </a:stretch>
+        </p:blipFill>
+        <p:spPr bwMode="auto">
+          <a:xfrm>
+            <a:off x="10373765" y="6435359"/>
+            <a:ext cx="1740012" cy="314521"/>
+          </a:xfrm>
+          <a:prstGeom prst="rect">
+            <a:avLst/>
+          </a:prstGeom>
+          <a:noFill/>
+          <a:ln>
+            <a:noFill/>
+          </a:ln>
+          <a:extLst>
+            <a:ext uri="{909E8E84-426E-40DD-AFC4-6F175D3DCCD1}">
+              <a14:hiddenFill xmlns:a14="http://schemas.microsoft.com/office/drawing/2010/main">
+                <a:solidFill>
+                  <a:srgbClr val="FFFFFF"/>
+                </a:solidFill>
+              </a14:hiddenFill>
+            </a:ext>
+            <a:ext uri="{91240B29-F687-4F45-9708-019B960494DF}">
+              <a14:hiddenLine xmlns:a14="http://schemas.microsoft.com/office/drawing/2010/main" w="12700">
+                <a:solidFill>
+                  <a:srgbClr val="000000"/>
+                </a:solidFill>
+                <a:miter lim="800000"/>
+                <a:headEnd/>
+                <a:tailEnd/>
+              </a14:hiddenLine>
+            </a:ext>
+          </a:extLst>
+        </p:spPr>
+      </p:pic>
     </p:spTree>
     <p:extLst>
       <p:ext uri="{BB962C8B-B14F-4D97-AF65-F5344CB8AC3E}">
@@ -4393,6 +4837,60 @@
           </a:p>
         </p:txBody>
       </p:sp>
+      <p:pic>
+        <p:nvPicPr>
+          <p:cNvPr id="5" name="Picture 4"/>
+          <p:cNvPicPr>
+            <a:picLocks noChangeAspect="1" noChangeArrowheads="1"/>
+          </p:cNvPicPr>
+          <p:nvPr/>
+        </p:nvPicPr>
+        <p:blipFill>
+          <a:blip r:embed="rId2">
+            <a:extLst>
+              <a:ext uri="{28A0092B-C50C-407E-A947-70E740481C1C}">
+                <a14:useLocalDpi xmlns:a14="http://schemas.microsoft.com/office/drawing/2010/main" val="0"/>
+              </a:ext>
+            </a:extLst>
+          </a:blip>
+          <a:srcRect/>
+          <a:stretch>
+            <a:fillRect/>
+          </a:stretch>
+        </p:blipFill>
+        <p:spPr bwMode="auto">
+          <a:xfrm>
+            <a:off x="10373765" y="6435359"/>
+            <a:ext cx="1740012" cy="314521"/>
+          </a:xfrm>
+          <a:prstGeom prst="rect">
+            <a:avLst/>
+          </a:prstGeom>
+          <a:noFill/>
+          <a:ln>
+            <a:noFill/>
+          </a:ln>
+          <a:extLst>
+            <a:ext uri="{909E8E84-426E-40DD-AFC4-6F175D3DCCD1}">
+              <a14:hiddenFill xmlns:a14="http://schemas.microsoft.com/office/drawing/2010/main">
+                <a:solidFill>
+                  <a:srgbClr val="FFFFFF"/>
+                </a:solidFill>
+              </a14:hiddenFill>
+            </a:ext>
+            <a:ext uri="{91240B29-F687-4F45-9708-019B960494DF}">
+              <a14:hiddenLine xmlns:a14="http://schemas.microsoft.com/office/drawing/2010/main" w="12700">
+                <a:solidFill>
+                  <a:srgbClr val="000000"/>
+                </a:solidFill>
+                <a:miter lim="800000"/>
+                <a:headEnd/>
+                <a:tailEnd/>
+              </a14:hiddenLine>
+            </a:ext>
+          </a:extLst>
+        </p:spPr>
+      </p:pic>
     </p:spTree>
     <p:extLst>
       <p:ext uri="{BB962C8B-B14F-4D97-AF65-F5344CB8AC3E}">
@@ -4491,6 +4989,60 @@
           </a:p>
         </p:txBody>
       </p:sp>
+      <p:pic>
+        <p:nvPicPr>
+          <p:cNvPr id="5" name="Picture 4"/>
+          <p:cNvPicPr>
+            <a:picLocks noChangeAspect="1" noChangeArrowheads="1"/>
+          </p:cNvPicPr>
+          <p:nvPr/>
+        </p:nvPicPr>
+        <p:blipFill>
+          <a:blip r:embed="rId2">
+            <a:extLst>
+              <a:ext uri="{28A0092B-C50C-407E-A947-70E740481C1C}">
+                <a14:useLocalDpi xmlns:a14="http://schemas.microsoft.com/office/drawing/2010/main" val="0"/>
+              </a:ext>
+            </a:extLst>
+          </a:blip>
+          <a:srcRect/>
+          <a:stretch>
+            <a:fillRect/>
+          </a:stretch>
+        </p:blipFill>
+        <p:spPr bwMode="auto">
+          <a:xfrm>
+            <a:off x="10373765" y="6435359"/>
+            <a:ext cx="1740012" cy="314521"/>
+          </a:xfrm>
+          <a:prstGeom prst="rect">
+            <a:avLst/>
+          </a:prstGeom>
+          <a:noFill/>
+          <a:ln>
+            <a:noFill/>
+          </a:ln>
+          <a:extLst>
+            <a:ext uri="{909E8E84-426E-40DD-AFC4-6F175D3DCCD1}">
+              <a14:hiddenFill xmlns:a14="http://schemas.microsoft.com/office/drawing/2010/main">
+                <a:solidFill>
+                  <a:srgbClr val="FFFFFF"/>
+                </a:solidFill>
+              </a14:hiddenFill>
+            </a:ext>
+            <a:ext uri="{91240B29-F687-4F45-9708-019B960494DF}">
+              <a14:hiddenLine xmlns:a14="http://schemas.microsoft.com/office/drawing/2010/main" w="12700">
+                <a:solidFill>
+                  <a:srgbClr val="000000"/>
+                </a:solidFill>
+                <a:miter lim="800000"/>
+                <a:headEnd/>
+                <a:tailEnd/>
+              </a14:hiddenLine>
+            </a:ext>
+          </a:extLst>
+        </p:spPr>
+      </p:pic>
     </p:spTree>
     <p:extLst>
       <p:ext uri="{BB962C8B-B14F-4D97-AF65-F5344CB8AC3E}">
@@ -4545,7 +5097,19 @@
           <a:p>
             <a:r>
               <a:rPr lang="en-US" dirty="0" smtClean="0"/>
-              <a:t>What we can do with these data?</a:t>
+              <a:t>What </a:t>
+            </a:r>
+            <a:r>
+              <a:rPr lang="en-US" dirty="0" smtClean="0"/>
+              <a:t>customer can </a:t>
+            </a:r>
+            <a:r>
+              <a:rPr lang="en-US" dirty="0" smtClean="0"/>
+              <a:t>do with </a:t>
+            </a:r>
+            <a:r>
+              <a:rPr lang="en-US" dirty="0" smtClean="0"/>
+              <a:t>it?</a:t>
             </a:r>
             <a:endParaRPr lang="en-US" dirty="0"/>
           </a:p>
@@ -4560,7 +5124,7 @@
         <p:spPr>
           <a:xfrm>
             <a:off x="1261873" y="2249586"/>
-            <a:ext cx="9282050" cy="1200329"/>
+            <a:ext cx="9282050" cy="1477328"/>
           </a:xfrm>
           <a:prstGeom prst="rect">
             <a:avLst/>
@@ -4573,13 +5137,31 @@
           </a:bodyPr>
           <a:lstStyle/>
           <a:p>
+            <a:r>
+              <a:rPr lang="en-US" dirty="0" smtClean="0"/>
+              <a:t>Through this plugin site admin can see following info on </a:t>
+            </a:r>
+            <a:r>
+              <a:rPr lang="en-US" b="1" dirty="0" smtClean="0">
+                <a:solidFill>
+                  <a:srgbClr val="FF0000"/>
+                </a:solidFill>
+              </a:rPr>
+              <a:t>real time</a:t>
+            </a:r>
+            <a:r>
+              <a:rPr lang="en-US" dirty="0" smtClean="0"/>
+              <a:t>:</a:t>
+            </a:r>
+          </a:p>
+          <a:p>
             <a:pPr marL="285750" indent="-285750">
               <a:buFont typeface="Arial" panose="020B0604020202020204" pitchFamily="34" charset="0"/>
               <a:buChar char="•"/>
             </a:pPr>
             <a:r>
               <a:rPr lang="en-US" dirty="0" smtClean="0"/>
-              <a:t>We can reproduce all user actions on our site.</a:t>
+              <a:t>How many visitors on the site;</a:t>
             </a:r>
           </a:p>
           <a:p>
@@ -4589,7 +5171,7 @@
             </a:pPr>
             <a:r>
               <a:rPr lang="en-US" dirty="0" smtClean="0"/>
-              <a:t>We can see how long each page that user stays at.</a:t>
+              <a:t>Which page they stay at;</a:t>
             </a:r>
           </a:p>
           <a:p>
@@ -4599,7 +5181,7 @@
             </a:pPr>
             <a:r>
               <a:rPr lang="en-US" dirty="0" smtClean="0"/>
-              <a:t>We can know usual user though which way go to certain page.</a:t>
+              <a:t>The navigation path of each visitor on the site;</a:t>
             </a:r>
           </a:p>
           <a:p>
@@ -4609,16 +5191,70 @@
             </a:pPr>
             <a:r>
               <a:rPr lang="en-US" dirty="0" smtClean="0"/>
-              <a:t>Anything you need to know about user experience.</a:t>
-            </a:r>
-            <a:endParaRPr lang="en-US" dirty="0"/>
-          </a:p>
-        </p:txBody>
-      </p:sp>
+              <a:t>What they have done on the site;</a:t>
+            </a:r>
+            <a:endParaRPr lang="en-US" dirty="0"/>
+          </a:p>
+        </p:txBody>
+      </p:sp>
+      <p:pic>
+        <p:nvPicPr>
+          <p:cNvPr id="5" name="Picture 4"/>
+          <p:cNvPicPr>
+            <a:picLocks noChangeAspect="1" noChangeArrowheads="1"/>
+          </p:cNvPicPr>
+          <p:nvPr/>
+        </p:nvPicPr>
+        <p:blipFill>
+          <a:blip r:embed="rId2">
+            <a:extLst>
+              <a:ext uri="{28A0092B-C50C-407E-A947-70E740481C1C}">
+                <a14:useLocalDpi xmlns:a14="http://schemas.microsoft.com/office/drawing/2010/main" val="0"/>
+              </a:ext>
+            </a:extLst>
+          </a:blip>
+          <a:srcRect/>
+          <a:stretch>
+            <a:fillRect/>
+          </a:stretch>
+        </p:blipFill>
+        <p:spPr bwMode="auto">
+          <a:xfrm>
+            <a:off x="10373765" y="6435359"/>
+            <a:ext cx="1740012" cy="314521"/>
+          </a:xfrm>
+          <a:prstGeom prst="rect">
+            <a:avLst/>
+          </a:prstGeom>
+          <a:noFill/>
+          <a:ln>
+            <a:noFill/>
+          </a:ln>
+          <a:extLst>
+            <a:ext uri="{909E8E84-426E-40DD-AFC4-6F175D3DCCD1}">
+              <a14:hiddenFill xmlns:a14="http://schemas.microsoft.com/office/drawing/2010/main">
+                <a:solidFill>
+                  <a:srgbClr val="FFFFFF"/>
+                </a:solidFill>
+              </a14:hiddenFill>
+            </a:ext>
+            <a:ext uri="{91240B29-F687-4F45-9708-019B960494DF}">
+              <a14:hiddenLine xmlns:a14="http://schemas.microsoft.com/office/drawing/2010/main" w="12700">
+                <a:solidFill>
+                  <a:srgbClr val="000000"/>
+                </a:solidFill>
+                <a:miter lim="800000"/>
+                <a:headEnd/>
+                <a:tailEnd/>
+              </a14:hiddenLine>
+            </a:ext>
+          </a:extLst>
+        </p:spPr>
+      </p:pic>
     </p:spTree>
     <p:extLst>
       <p:ext uri="{BB962C8B-B14F-4D97-AF65-F5344CB8AC3E}">
-        <p14:creationId xmlns:p14="http://schemas.microsoft.com/office/powerpoint/2010/main" val="1402876742"/>
+        <p14:creationId xmlns:p14="http://schemas.microsoft.com/office/powerpoint/2010/main" val="2714926117"/>
       </p:ext>
     </p:extLst>
   </p:cSld>
@@ -4669,16 +5305,138 @@
           <a:p>
             <a:r>
               <a:rPr lang="en-US" dirty="0" smtClean="0"/>
-              <a:t>Demo our prototype</a:t>
-            </a:r>
-            <a:endParaRPr lang="en-US" dirty="0"/>
-          </a:p>
-        </p:txBody>
-      </p:sp>
+              <a:t>What </a:t>
+            </a:r>
+            <a:r>
+              <a:rPr lang="en-US" dirty="0" smtClean="0"/>
+              <a:t>we can do with it?</a:t>
+            </a:r>
+            <a:endParaRPr lang="en-US" dirty="0"/>
+          </a:p>
+        </p:txBody>
+      </p:sp>
+      <p:sp>
+        <p:nvSpPr>
+          <p:cNvPr id="6" name="TextBox 5"/>
+          <p:cNvSpPr txBox="1"/>
+          <p:nvPr/>
+        </p:nvSpPr>
+        <p:spPr>
+          <a:xfrm>
+            <a:off x="1261873" y="2249586"/>
+            <a:ext cx="9282050" cy="1200329"/>
+          </a:xfrm>
+          <a:prstGeom prst="rect">
+            <a:avLst/>
+          </a:prstGeom>
+          <a:noFill/>
+        </p:spPr>
+        <p:txBody>
+          <a:bodyPr wrap="square" rtlCol="0">
+            <a:spAutoFit/>
+          </a:bodyPr>
+          <a:lstStyle/>
+          <a:p>
+            <a:pPr marL="285750" indent="-285750">
+              <a:buFont typeface="Arial" panose="020B0604020202020204" pitchFamily="34" charset="0"/>
+              <a:buChar char="•"/>
+            </a:pPr>
+            <a:r>
+              <a:rPr lang="en-US" dirty="0" smtClean="0"/>
+              <a:t>We can reproduce all user actions on our site.</a:t>
+            </a:r>
+          </a:p>
+          <a:p>
+            <a:pPr marL="285750" indent="-285750">
+              <a:buFont typeface="Arial" panose="020B0604020202020204" pitchFamily="34" charset="0"/>
+              <a:buChar char="•"/>
+            </a:pPr>
+            <a:r>
+              <a:rPr lang="en-US" dirty="0" smtClean="0"/>
+              <a:t>We can see how long each page that user stays at.</a:t>
+            </a:r>
+          </a:p>
+          <a:p>
+            <a:pPr marL="285750" indent="-285750">
+              <a:buFont typeface="Arial" panose="020B0604020202020204" pitchFamily="34" charset="0"/>
+              <a:buChar char="•"/>
+            </a:pPr>
+            <a:r>
+              <a:rPr lang="en-US" dirty="0" smtClean="0"/>
+              <a:t>We can know usual user though which way go to certain page.</a:t>
+            </a:r>
+          </a:p>
+          <a:p>
+            <a:pPr marL="285750" indent="-285750">
+              <a:buFont typeface="Arial" panose="020B0604020202020204" pitchFamily="34" charset="0"/>
+              <a:buChar char="•"/>
+            </a:pPr>
+            <a:r>
+              <a:rPr lang="en-US" dirty="0" smtClean="0"/>
+              <a:t>Anything you need to know about user experience.</a:t>
+            </a:r>
+            <a:endParaRPr lang="en-US" dirty="0"/>
+          </a:p>
+        </p:txBody>
+      </p:sp>
+      <p:pic>
+        <p:nvPicPr>
+          <p:cNvPr id="5" name="Picture 4"/>
+          <p:cNvPicPr>
+            <a:picLocks noChangeAspect="1" noChangeArrowheads="1"/>
+          </p:cNvPicPr>
+          <p:nvPr/>
+        </p:nvPicPr>
+        <p:blipFill>
+          <a:blip r:embed="rId2">
+            <a:extLst>
+              <a:ext uri="{28A0092B-C50C-407E-A947-70E740481C1C}">
+                <a14:useLocalDpi xmlns:a14="http://schemas.microsoft.com/office/drawing/2010/main" val="0"/>
+              </a:ext>
+            </a:extLst>
+          </a:blip>
+          <a:srcRect/>
+          <a:stretch>
+            <a:fillRect/>
+          </a:stretch>
+        </p:blipFill>
+        <p:spPr bwMode="auto">
+          <a:xfrm>
+            <a:off x="10373765" y="6435359"/>
+            <a:ext cx="1740012" cy="314521"/>
+          </a:xfrm>
+          <a:prstGeom prst="rect">
+            <a:avLst/>
+          </a:prstGeom>
+          <a:noFill/>
+          <a:ln>
+            <a:noFill/>
+          </a:ln>
+          <a:extLst>
+            <a:ext uri="{909E8E84-426E-40DD-AFC4-6F175D3DCCD1}">
+              <a14:hiddenFill xmlns:a14="http://schemas.microsoft.com/office/drawing/2010/main">
+                <a:solidFill>
+                  <a:srgbClr val="FFFFFF"/>
+                </a:solidFill>
+              </a14:hiddenFill>
+            </a:ext>
+            <a:ext uri="{91240B29-F687-4F45-9708-019B960494DF}">
+              <a14:hiddenLine xmlns:a14="http://schemas.microsoft.com/office/drawing/2010/main" w="12700">
+                <a:solidFill>
+                  <a:srgbClr val="000000"/>
+                </a:solidFill>
+                <a:miter lim="800000"/>
+                <a:headEnd/>
+                <a:tailEnd/>
+              </a14:hiddenLine>
+            </a:ext>
+          </a:extLst>
+        </p:spPr>
+      </p:pic>
     </p:spTree>
     <p:extLst>
       <p:ext uri="{BB962C8B-B14F-4D97-AF65-F5344CB8AC3E}">
-        <p14:creationId xmlns:p14="http://schemas.microsoft.com/office/powerpoint/2010/main" val="1163956533"/>
+        <p14:creationId xmlns:p14="http://schemas.microsoft.com/office/powerpoint/2010/main" val="1402876742"/>
       </p:ext>
     </p:extLst>
   </p:cSld>

--- a/PPT/What are them doing.pptx
+++ b/PPT/What are them doing.pptx
@@ -4324,8 +4324,8 @@
         </p:nvSpPr>
         <p:spPr>
           <a:xfrm>
-            <a:off x="5614514" y="2239673"/>
-            <a:ext cx="1404852" cy="1471353"/>
+            <a:off x="7153535" y="1714215"/>
+            <a:ext cx="1217121" cy="1453339"/>
           </a:xfrm>
           <a:prstGeom prst="flowChartMagneticDisk">
             <a:avLst/>
@@ -4368,8 +4368,8 @@
         </p:nvSpPr>
         <p:spPr>
           <a:xfrm>
-            <a:off x="5380106" y="4692621"/>
-            <a:ext cx="1762019" cy="1457497"/>
+            <a:off x="7013716" y="4103739"/>
+            <a:ext cx="1496757" cy="1238079"/>
           </a:xfrm>
           <a:prstGeom prst="cube">
             <a:avLst/>
@@ -4412,7 +4412,7 @@
         </p:nvSpPr>
         <p:spPr>
           <a:xfrm>
-            <a:off x="8153507" y="3210182"/>
+            <a:off x="9407650" y="2774833"/>
             <a:ext cx="1483960" cy="1812176"/>
           </a:xfrm>
           <a:prstGeom prst="foldedCorner">
@@ -4512,8 +4512,8 @@
         </p:nvCxnSpPr>
         <p:spPr>
           <a:xfrm flipV="1">
-            <a:off x="4862421" y="3438093"/>
-            <a:ext cx="636868" cy="722513"/>
+            <a:off x="4196067" y="3131618"/>
+            <a:ext cx="0" cy="380325"/>
           </a:xfrm>
           <a:prstGeom prst="straightConnector1">
             <a:avLst/>
@@ -4545,7 +4545,7 @@
         </p:nvCxnSpPr>
         <p:spPr>
           <a:xfrm>
-            <a:off x="7134591" y="3074412"/>
+            <a:off x="8451636" y="2774833"/>
             <a:ext cx="856956" cy="727361"/>
           </a:xfrm>
           <a:prstGeom prst="straightConnector1">
@@ -4578,7 +4578,7 @@
         </p:nvCxnSpPr>
         <p:spPr>
           <a:xfrm flipH="1">
-            <a:off x="6261115" y="3793461"/>
+            <a:off x="7762095" y="3264286"/>
             <a:ext cx="24054" cy="734290"/>
           </a:xfrm>
           <a:prstGeom prst="straightConnector1">
@@ -4611,7 +4611,7 @@
         </p:nvCxnSpPr>
         <p:spPr>
           <a:xfrm flipV="1">
-            <a:off x="7308180" y="4527751"/>
+            <a:off x="8593790" y="4004189"/>
             <a:ext cx="683367" cy="735677"/>
           </a:xfrm>
           <a:prstGeom prst="straightConnector1">
@@ -4690,6 +4690,167 @@
           </a:extLst>
         </p:spPr>
       </p:pic>
+      <p:sp>
+        <p:nvSpPr>
+          <p:cNvPr id="15" name="Flowchart: Magnetic Disk 14"/>
+          <p:cNvSpPr/>
+          <p:nvPr/>
+        </p:nvSpPr>
+        <p:spPr>
+          <a:xfrm>
+            <a:off x="3698995" y="1895331"/>
+            <a:ext cx="993872" cy="1179081"/>
+          </a:xfrm>
+          <a:prstGeom prst="flowChartMagneticDisk">
+            <a:avLst/>
+          </a:prstGeom>
+        </p:spPr>
+        <p:style>
+          <a:lnRef idx="2">
+            <a:schemeClr val="accent1">
+              <a:shade val="50000"/>
+            </a:schemeClr>
+          </a:lnRef>
+          <a:fillRef idx="1">
+            <a:schemeClr val="accent1"/>
+          </a:fillRef>
+          <a:effectRef idx="0">
+            <a:schemeClr val="accent1"/>
+          </a:effectRef>
+          <a:fontRef idx="minor">
+            <a:schemeClr val="lt1"/>
+          </a:fontRef>
+        </p:style>
+        <p:txBody>
+          <a:bodyPr rtlCol="0" anchor="ctr"/>
+          <a:lstStyle/>
+          <a:p>
+            <a:pPr algn="ctr"/>
+            <a:r>
+              <a:rPr lang="en-US" dirty="0" smtClean="0"/>
+              <a:t>Query</a:t>
+            </a:r>
+            <a:endParaRPr lang="en-US" dirty="0"/>
+          </a:p>
+        </p:txBody>
+      </p:sp>
+      <p:sp>
+        <p:nvSpPr>
+          <p:cNvPr id="9" name="Flowchart: Alternate Process 8"/>
+          <p:cNvSpPr/>
+          <p:nvPr/>
+        </p:nvSpPr>
+        <p:spPr>
+          <a:xfrm>
+            <a:off x="5181818" y="1958108"/>
+            <a:ext cx="1401785" cy="1052700"/>
+          </a:xfrm>
+          <a:prstGeom prst="flowChartAlternateProcess">
+            <a:avLst/>
+          </a:prstGeom>
+        </p:spPr>
+        <p:style>
+          <a:lnRef idx="2">
+            <a:schemeClr val="accent1">
+              <a:shade val="50000"/>
+            </a:schemeClr>
+          </a:lnRef>
+          <a:fillRef idx="1">
+            <a:schemeClr val="accent1"/>
+          </a:fillRef>
+          <a:effectRef idx="0">
+            <a:schemeClr val="accent1"/>
+          </a:effectRef>
+          <a:fontRef idx="minor">
+            <a:schemeClr val="lt1"/>
+          </a:fontRef>
+        </p:style>
+        <p:txBody>
+          <a:bodyPr rtlCol="0" anchor="ctr"/>
+          <a:lstStyle/>
+          <a:p>
+            <a:pPr algn="ctr"/>
+            <a:r>
+              <a:rPr lang="en-US" dirty="0" smtClean="0"/>
+              <a:t>Query</a:t>
+            </a:r>
+          </a:p>
+          <a:p>
+            <a:pPr algn="ctr"/>
+            <a:r>
+              <a:rPr lang="en-US" dirty="0" smtClean="0"/>
+              <a:t>Processor</a:t>
+            </a:r>
+            <a:endParaRPr lang="en-US" dirty="0"/>
+          </a:p>
+        </p:txBody>
+      </p:sp>
+      <p:cxnSp>
+        <p:nvCxnSpPr>
+          <p:cNvPr id="20" name="Straight Arrow Connector 19"/>
+          <p:cNvCxnSpPr/>
+          <p:nvPr/>
+        </p:nvCxnSpPr>
+        <p:spPr>
+          <a:xfrm flipV="1">
+            <a:off x="4718065" y="2427611"/>
+            <a:ext cx="379917" cy="13274"/>
+          </a:xfrm>
+          <a:prstGeom prst="straightConnector1">
+            <a:avLst/>
+          </a:prstGeom>
+          <a:ln>
+            <a:tailEnd type="triangle"/>
+          </a:ln>
+        </p:spPr>
+        <p:style>
+          <a:lnRef idx="1">
+            <a:schemeClr val="dk1"/>
+          </a:lnRef>
+          <a:fillRef idx="0">
+            <a:schemeClr val="dk1"/>
+          </a:fillRef>
+          <a:effectRef idx="0">
+            <a:schemeClr val="dk1"/>
+          </a:effectRef>
+          <a:fontRef idx="minor">
+            <a:schemeClr val="tx1"/>
+          </a:fontRef>
+        </p:style>
+      </p:cxnSp>
+      <p:cxnSp>
+        <p:nvCxnSpPr>
+          <p:cNvPr id="24" name="Straight Arrow Connector 23"/>
+          <p:cNvCxnSpPr/>
+          <p:nvPr/>
+        </p:nvCxnSpPr>
+        <p:spPr>
+          <a:xfrm>
+            <a:off x="6605179" y="2408314"/>
+            <a:ext cx="451080" cy="19297"/>
+          </a:xfrm>
+          <a:prstGeom prst="straightConnector1">
+            <a:avLst/>
+          </a:prstGeom>
+          <a:ln>
+            <a:tailEnd type="triangle"/>
+          </a:ln>
+        </p:spPr>
+        <p:style>
+          <a:lnRef idx="1">
+            <a:schemeClr val="dk1"/>
+          </a:lnRef>
+          <a:fillRef idx="0">
+            <a:schemeClr val="dk1"/>
+          </a:fillRef>
+          <a:effectRef idx="0">
+            <a:schemeClr val="dk1"/>
+          </a:effectRef>
+          <a:fontRef idx="minor">
+            <a:schemeClr val="tx1"/>
+          </a:fontRef>
+        </p:style>
+      </p:cxnSp>
     </p:spTree>
     <p:extLst>
       <p:ext uri="{BB962C8B-B14F-4D97-AF65-F5344CB8AC3E}">
@@ -5097,19 +5258,7 @@
           <a:p>
             <a:r>
               <a:rPr lang="en-US" dirty="0" smtClean="0"/>
-              <a:t>What </a:t>
-            </a:r>
-            <a:r>
-              <a:rPr lang="en-US" dirty="0" smtClean="0"/>
-              <a:t>customer can </a:t>
-            </a:r>
-            <a:r>
-              <a:rPr lang="en-US" dirty="0" smtClean="0"/>
-              <a:t>do with </a:t>
-            </a:r>
-            <a:r>
-              <a:rPr lang="en-US" dirty="0" smtClean="0"/>
-              <a:t>it?</a:t>
+              <a:t>What customer can do with it?</a:t>
             </a:r>
             <a:endParaRPr lang="en-US" dirty="0"/>
           </a:p>
@@ -5305,11 +5454,7 @@
           <a:p>
             <a:r>
               <a:rPr lang="en-US" dirty="0" smtClean="0"/>
-              <a:t>What </a:t>
-            </a:r>
-            <a:r>
-              <a:rPr lang="en-US" dirty="0" smtClean="0"/>
-              <a:t>we can do with it?</a:t>
+              <a:t>What we can do with it?</a:t>
             </a:r>
             <a:endParaRPr lang="en-US" dirty="0"/>
           </a:p>

--- a/PPT/What are them doing.pptx
+++ b/PPT/What are them doing.pptx
@@ -3680,6 +3680,60 @@
           </a:extLst>
         </p:spPr>
       </p:pic>
+      <p:pic>
+        <p:nvPicPr>
+          <p:cNvPr id="1026" name="图片 2" descr="image001"/>
+          <p:cNvPicPr>
+            <a:picLocks noChangeAspect="1" noChangeArrowheads="1"/>
+          </p:cNvPicPr>
+          <p:nvPr/>
+        </p:nvPicPr>
+        <p:blipFill>
+          <a:blip r:embed="rId3">
+            <a:extLst>
+              <a:ext uri="{28A0092B-C50C-407E-A947-70E740481C1C}">
+                <a14:useLocalDpi xmlns:a14="http://schemas.microsoft.com/office/drawing/2010/main" val="0"/>
+              </a:ext>
+            </a:extLst>
+          </a:blip>
+          <a:srcRect/>
+          <a:stretch>
+            <a:fillRect/>
+          </a:stretch>
+        </p:blipFill>
+        <p:spPr bwMode="auto">
+          <a:xfrm>
+            <a:off x="1136450" y="1892186"/>
+            <a:ext cx="9035239" cy="4342309"/>
+          </a:xfrm>
+          <a:prstGeom prst="rect">
+            <a:avLst/>
+          </a:prstGeom>
+          <a:noFill/>
+          <a:ln>
+            <a:noFill/>
+          </a:ln>
+          <a:extLst>
+            <a:ext uri="{909E8E84-426E-40DD-AFC4-6F175D3DCCD1}">
+              <a14:hiddenFill xmlns:a14="http://schemas.microsoft.com/office/drawing/2010/main">
+                <a:solidFill>
+                  <a:srgbClr val="FFFFFF"/>
+                </a:solidFill>
+              </a14:hiddenFill>
+            </a:ext>
+            <a:ext uri="{91240B29-F687-4F45-9708-019B960494DF}">
+              <a14:hiddenLine xmlns:a14="http://schemas.microsoft.com/office/drawing/2010/main" w="9525">
+                <a:solidFill>
+                  <a:srgbClr val="000000"/>
+                </a:solidFill>
+                <a:miter lim="800000"/>
+                <a:headEnd/>
+                <a:tailEnd/>
+              </a14:hiddenLine>
+            </a:ext>
+          </a:extLst>
+        </p:spPr>
+      </p:pic>
     </p:spTree>
     <p:extLst>
       <p:ext uri="{BB962C8B-B14F-4D97-AF65-F5344CB8AC3E}">
